--- a/2021年主日學慶祝聖誕.pptx
+++ b/2021年主日學慶祝聖誕.pptx
@@ -26,6 +26,7 @@
     <p:sldId id="275" r:id="rId20"/>
     <p:sldId id="276" r:id="rId21"/>
     <p:sldId id="277" r:id="rId22"/>
+    <p:sldId id="278" r:id="rId23"/>
   </p:sldIdLst>
   <p:sldSz cx="12192000" cy="6858000"/>
   <p:notesSz cx="6858000" cy="9144000"/>
@@ -124,6 +125,11 @@
       </a:defRPr>
     </a:lvl9pPr>
   </p:defaultTextStyle>
+  <p:extLst>
+    <p:ext uri="{EFAFB233-063F-42B5-8137-9DF3F51BA10A}">
+      <p15:sldGuideLst xmlns:p15="http://schemas.microsoft.com/office/powerpoint/2012/main"/>
+    </p:ext>
+  </p:extLst>
 </p:presentation>
 </file>
 
@@ -308,7 +314,7 @@
           <a:p>
             <a:fld id="{4E6510CF-53A1-43F3-96CF-77B0DBBA8A11}" type="datetimeFigureOut">
               <a:rPr lang="vi-VN" smtClean="0"/>
-              <a:t>15/12/2021</a:t>
+              <a:t>18/12/2021</a:t>
             </a:fld>
             <a:endParaRPr lang="vi-VN"/>
           </a:p>
@@ -478,7 +484,7 @@
           <a:p>
             <a:fld id="{4E6510CF-53A1-43F3-96CF-77B0DBBA8A11}" type="datetimeFigureOut">
               <a:rPr lang="vi-VN" smtClean="0"/>
-              <a:t>15/12/2021</a:t>
+              <a:t>18/12/2021</a:t>
             </a:fld>
             <a:endParaRPr lang="vi-VN"/>
           </a:p>
@@ -658,7 +664,7 @@
           <a:p>
             <a:fld id="{4E6510CF-53A1-43F3-96CF-77B0DBBA8A11}" type="datetimeFigureOut">
               <a:rPr lang="vi-VN" smtClean="0"/>
-              <a:t>15/12/2021</a:t>
+              <a:t>18/12/2021</a:t>
             </a:fld>
             <a:endParaRPr lang="vi-VN"/>
           </a:p>
@@ -828,7 +834,7 @@
           <a:p>
             <a:fld id="{4E6510CF-53A1-43F3-96CF-77B0DBBA8A11}" type="datetimeFigureOut">
               <a:rPr lang="vi-VN" smtClean="0"/>
-              <a:t>15/12/2021</a:t>
+              <a:t>18/12/2021</a:t>
             </a:fld>
             <a:endParaRPr lang="vi-VN"/>
           </a:p>
@@ -1074,7 +1080,7 @@
           <a:p>
             <a:fld id="{4E6510CF-53A1-43F3-96CF-77B0DBBA8A11}" type="datetimeFigureOut">
               <a:rPr lang="vi-VN" smtClean="0"/>
-              <a:t>15/12/2021</a:t>
+              <a:t>18/12/2021</a:t>
             </a:fld>
             <a:endParaRPr lang="vi-VN"/>
           </a:p>
@@ -1362,7 +1368,7 @@
           <a:p>
             <a:fld id="{4E6510CF-53A1-43F3-96CF-77B0DBBA8A11}" type="datetimeFigureOut">
               <a:rPr lang="vi-VN" smtClean="0"/>
-              <a:t>15/12/2021</a:t>
+              <a:t>18/12/2021</a:t>
             </a:fld>
             <a:endParaRPr lang="vi-VN"/>
           </a:p>
@@ -1784,7 +1790,7 @@
           <a:p>
             <a:fld id="{4E6510CF-53A1-43F3-96CF-77B0DBBA8A11}" type="datetimeFigureOut">
               <a:rPr lang="vi-VN" smtClean="0"/>
-              <a:t>15/12/2021</a:t>
+              <a:t>18/12/2021</a:t>
             </a:fld>
             <a:endParaRPr lang="vi-VN"/>
           </a:p>
@@ -1902,7 +1908,7 @@
           <a:p>
             <a:fld id="{4E6510CF-53A1-43F3-96CF-77B0DBBA8A11}" type="datetimeFigureOut">
               <a:rPr lang="vi-VN" smtClean="0"/>
-              <a:t>15/12/2021</a:t>
+              <a:t>18/12/2021</a:t>
             </a:fld>
             <a:endParaRPr lang="vi-VN"/>
           </a:p>
@@ -1997,7 +2003,7 @@
           <a:p>
             <a:fld id="{4E6510CF-53A1-43F3-96CF-77B0DBBA8A11}" type="datetimeFigureOut">
               <a:rPr lang="vi-VN" smtClean="0"/>
-              <a:t>15/12/2021</a:t>
+              <a:t>18/12/2021</a:t>
             </a:fld>
             <a:endParaRPr lang="vi-VN"/>
           </a:p>
@@ -2274,7 +2280,7 @@
           <a:p>
             <a:fld id="{4E6510CF-53A1-43F3-96CF-77B0DBBA8A11}" type="datetimeFigureOut">
               <a:rPr lang="vi-VN" smtClean="0"/>
-              <a:t>15/12/2021</a:t>
+              <a:t>18/12/2021</a:t>
             </a:fld>
             <a:endParaRPr lang="vi-VN"/>
           </a:p>
@@ -2531,7 +2537,7 @@
           <a:p>
             <a:fld id="{4E6510CF-53A1-43F3-96CF-77B0DBBA8A11}" type="datetimeFigureOut">
               <a:rPr lang="vi-VN" smtClean="0"/>
-              <a:t>15/12/2021</a:t>
+              <a:t>18/12/2021</a:t>
             </a:fld>
             <a:endParaRPr lang="vi-VN"/>
           </a:p>
@@ -2749,7 +2755,7 @@
           <a:p>
             <a:fld id="{4E6510CF-53A1-43F3-96CF-77B0DBBA8A11}" type="datetimeFigureOut">
               <a:rPr lang="vi-VN" smtClean="0"/>
-              <a:t>15/12/2021</a:t>
+              <a:t>18/12/2021</a:t>
             </a:fld>
             <a:endParaRPr lang="vi-VN"/>
           </a:p>
@@ -5283,24 +5289,7 @@
                 <a:latin typeface="微軟正黑體" pitchFamily="34" charset="-120"/>
                 <a:ea typeface="微軟正黑體" pitchFamily="34" charset="-120"/>
               </a:rPr>
-              <a:t>我</a:t>
-            </a:r>
-            <a:r>
-              <a:rPr lang="zh-CN" altLang="en-US" sz="7200" b="1" i="1" dirty="0">
-                <a:solidFill>
-                  <a:srgbClr val="000066"/>
-                </a:solidFill>
-                <a:effectLst>
-                  <a:outerShdw blurRad="38100" dist="38100" dir="2700000" algn="tl">
-                    <a:srgbClr val="000000">
-                      <a:alpha val="43137"/>
-                    </a:srgbClr>
-                  </a:outerShdw>
-                </a:effectLst>
-                <a:latin typeface="微軟正黑體" pitchFamily="34" charset="-120"/>
-                <a:ea typeface="微軟正黑體" pitchFamily="34" charset="-120"/>
-              </a:rPr>
-              <a:t>要唱快樂頌</a:t>
+              <a:t>我要唱快樂頌</a:t>
             </a:r>
             <a:endParaRPr lang="en-US" sz="7200" b="1" i="1" dirty="0">
               <a:solidFill>
@@ -6093,27 +6082,7 @@
                 <a:latin typeface="Microsoft JhengHei" panose="020B0604030504040204" pitchFamily="34" charset="-120"/>
                 <a:ea typeface="Microsoft JhengHei" panose="020B0604030504040204" pitchFamily="34" charset="-120"/>
               </a:rPr>
-              <a:t>你與我  </a:t>
-            </a:r>
-            <a:r>
-              <a:rPr lang="zh-TW" altLang="en-US" sz="6400" b="1" dirty="0">
-                <a:solidFill>
-                  <a:srgbClr val="000066"/>
-                </a:solidFill>
-                <a:latin typeface="Microsoft JhengHei" panose="020B0604030504040204" pitchFamily="34" charset="-120"/>
-                <a:ea typeface="Microsoft JhengHei" panose="020B0604030504040204" pitchFamily="34" charset="-120"/>
-              </a:rPr>
-              <a:t>快</a:t>
-            </a:r>
-            <a:r>
-              <a:rPr lang="zh-TW" altLang="en-US" sz="6400" b="1" dirty="0">
-                <a:solidFill>
-                  <a:srgbClr val="000066"/>
-                </a:solidFill>
-                <a:latin typeface="Microsoft JhengHei" panose="020B0604030504040204" pitchFamily="34" charset="-120"/>
-                <a:ea typeface="Microsoft JhengHei" panose="020B0604030504040204" pitchFamily="34" charset="-120"/>
-              </a:rPr>
-              <a:t>樂頌</a:t>
+              <a:t>你與我  快樂頌</a:t>
             </a:r>
             <a:r>
               <a:rPr lang="en-US" altLang="zh-TW" sz="6400" b="1" dirty="0">
@@ -6470,27 +6439,7 @@
                 <a:latin typeface="Microsoft JhengHei" panose="020B0604030504040204" pitchFamily="34" charset="-120"/>
                 <a:ea typeface="Microsoft JhengHei" panose="020B0604030504040204" pitchFamily="34" charset="-120"/>
               </a:rPr>
-              <a:t>你與我  </a:t>
-            </a:r>
-            <a:r>
-              <a:rPr lang="zh-TW" altLang="en-US" sz="6400" b="1" dirty="0">
-                <a:solidFill>
-                  <a:srgbClr val="000066"/>
-                </a:solidFill>
-                <a:latin typeface="Microsoft JhengHei" panose="020B0604030504040204" pitchFamily="34" charset="-120"/>
-                <a:ea typeface="Microsoft JhengHei" panose="020B0604030504040204" pitchFamily="34" charset="-120"/>
-              </a:rPr>
-              <a:t>快</a:t>
-            </a:r>
-            <a:r>
-              <a:rPr lang="zh-TW" altLang="en-US" sz="6400" b="1" dirty="0">
-                <a:solidFill>
-                  <a:srgbClr val="000066"/>
-                </a:solidFill>
-                <a:latin typeface="Microsoft JhengHei" panose="020B0604030504040204" pitchFamily="34" charset="-120"/>
-                <a:ea typeface="Microsoft JhengHei" panose="020B0604030504040204" pitchFamily="34" charset="-120"/>
-              </a:rPr>
-              <a:t>樂頌</a:t>
+              <a:t>你與我  快樂頌</a:t>
             </a:r>
             <a:r>
               <a:rPr lang="en-US" altLang="zh-TW" sz="6400" b="1" dirty="0">
@@ -6519,6 +6468,124 @@
     <p:extLst>
       <p:ext uri="{BB962C8B-B14F-4D97-AF65-F5344CB8AC3E}">
         <p14:creationId xmlns:p14="http://schemas.microsoft.com/office/powerpoint/2010/main" val="3760740525"/>
+      </p:ext>
+    </p:extLst>
+  </p:cSld>
+  <p:clrMapOvr>
+    <a:masterClrMapping/>
+  </p:clrMapOvr>
+</p:sld>
+</file>
+
+<file path=ppt/slides/slide22.xml><?xml version="1.0" encoding="utf-8"?>
+<p:sld xmlns:a="http://schemas.openxmlformats.org/drawingml/2006/main" xmlns:r="http://schemas.openxmlformats.org/officeDocument/2006/relationships" xmlns:p="http://schemas.openxmlformats.org/presentationml/2006/main">
+  <p:cSld>
+    <p:spTree>
+      <p:nvGrpSpPr>
+        <p:cNvPr id="1" name=""/>
+        <p:cNvGrpSpPr/>
+        <p:nvPr/>
+      </p:nvGrpSpPr>
+      <p:grpSpPr>
+        <a:xfrm>
+          <a:off x="0" y="0"/>
+          <a:ext cx="0" cy="0"/>
+          <a:chOff x="0" y="0"/>
+          <a:chExt cx="0" cy="0"/>
+        </a:xfrm>
+      </p:grpSpPr>
+      <p:sp>
+        <p:nvSpPr>
+          <p:cNvPr id="2" name="Title 1"/>
+          <p:cNvSpPr>
+            <a:spLocks noGrp="1"/>
+          </p:cNvSpPr>
+          <p:nvPr>
+            <p:ph type="title"/>
+          </p:nvPr>
+        </p:nvSpPr>
+        <p:spPr/>
+        <p:txBody>
+          <a:bodyPr/>
+          <a:lstStyle/>
+          <a:p>
+            <a:r>
+              <a:rPr lang="zh-CN" altLang="en-US" b="1" dirty="0" smtClean="0">
+                <a:latin typeface="Microsoft JhengHei" panose="020B0604030504040204" pitchFamily="34" charset="-120"/>
+                <a:ea typeface="Microsoft JhengHei" panose="020B0604030504040204" pitchFamily="34" charset="-120"/>
+              </a:rPr>
+              <a:t>路  </a:t>
+            </a:r>
+            <a:r>
+              <a:rPr lang="en-US" altLang="zh-CN" b="1" dirty="0" smtClean="0">
+                <a:latin typeface="Microsoft JhengHei" panose="020B0604030504040204" pitchFamily="34" charset="-120"/>
+                <a:ea typeface="Microsoft JhengHei" panose="020B0604030504040204" pitchFamily="34" charset="-120"/>
+              </a:rPr>
+              <a:t>2: 10 – 11</a:t>
+            </a:r>
+            <a:endParaRPr lang="vi-VN" b="1" dirty="0">
+              <a:ea typeface="Microsoft JhengHei" panose="020B0604030504040204" pitchFamily="34" charset="-120"/>
+            </a:endParaRPr>
+          </a:p>
+        </p:txBody>
+      </p:sp>
+      <p:sp>
+        <p:nvSpPr>
+          <p:cNvPr id="3" name="Content Placeholder 2"/>
+          <p:cNvSpPr>
+            <a:spLocks noGrp="1"/>
+          </p:cNvSpPr>
+          <p:nvPr>
+            <p:ph idx="1"/>
+          </p:nvPr>
+        </p:nvSpPr>
+        <p:spPr/>
+        <p:txBody>
+          <a:bodyPr>
+            <a:normAutofit/>
+          </a:bodyPr>
+          <a:lstStyle/>
+          <a:p>
+            <a:r>
+              <a:rPr lang="en-US" altLang="zh-TW" sz="5400" b="1" dirty="0">
+                <a:latin typeface="Microsoft JhengHei" panose="020B0604030504040204" pitchFamily="34" charset="-120"/>
+                <a:ea typeface="Microsoft JhengHei" panose="020B0604030504040204" pitchFamily="34" charset="-120"/>
+              </a:rPr>
+              <a:t>10</a:t>
+            </a:r>
+            <a:r>
+              <a:rPr lang="zh-TW" altLang="en-US" sz="5400" b="1" dirty="0">
+                <a:latin typeface="Microsoft JhengHei" panose="020B0604030504040204" pitchFamily="34" charset="-120"/>
+                <a:ea typeface="Microsoft JhengHei" panose="020B0604030504040204" pitchFamily="34" charset="-120"/>
+              </a:rPr>
+              <a:t>  那天使對他們說：「不要懼怕！我報給你們大喜的信息，是關乎萬民的； </a:t>
+            </a:r>
+          </a:p>
+          <a:p>
+            <a:r>
+              <a:rPr lang="en-US" altLang="zh-TW" sz="5400" b="1" dirty="0" smtClean="0">
+                <a:latin typeface="Microsoft JhengHei" panose="020B0604030504040204" pitchFamily="34" charset="-120"/>
+                <a:ea typeface="Microsoft JhengHei" panose="020B0604030504040204" pitchFamily="34" charset="-120"/>
+              </a:rPr>
+              <a:t>11</a:t>
+            </a:r>
+            <a:r>
+              <a:rPr lang="zh-TW" altLang="en-US" sz="5400" b="1" dirty="0">
+                <a:latin typeface="Microsoft JhengHei" panose="020B0604030504040204" pitchFamily="34" charset="-120"/>
+                <a:ea typeface="Microsoft JhengHei" panose="020B0604030504040204" pitchFamily="34" charset="-120"/>
+              </a:rPr>
+              <a:t>  因今天在大衛的城裡，為你們生了救主，就是主基督。</a:t>
+            </a:r>
+            <a:endParaRPr lang="vi-VN" sz="5400" b="1" dirty="0">
+              <a:ea typeface="Microsoft JhengHei" panose="020B0604030504040204" pitchFamily="34" charset="-120"/>
+            </a:endParaRPr>
+          </a:p>
+        </p:txBody>
+      </p:sp>
+    </p:spTree>
+    <p:extLst>
+      <p:ext uri="{BB962C8B-B14F-4D97-AF65-F5344CB8AC3E}">
+        <p14:creationId xmlns:p14="http://schemas.microsoft.com/office/powerpoint/2010/main" val="3127772699"/>
       </p:ext>
     </p:extLst>
   </p:cSld>

--- a/2021年主日學慶祝聖誕.pptx
+++ b/2021年主日學慶祝聖誕.pptx
@@ -27,6 +27,10 @@
     <p:sldId id="276" r:id="rId21"/>
     <p:sldId id="277" r:id="rId22"/>
     <p:sldId id="278" r:id="rId23"/>
+    <p:sldId id="279" r:id="rId24"/>
+    <p:sldId id="280" r:id="rId25"/>
+    <p:sldId id="281" r:id="rId26"/>
+    <p:sldId id="282" r:id="rId27"/>
   </p:sldIdLst>
   <p:sldSz cx="12192000" cy="6858000"/>
   <p:notesSz cx="6858000" cy="9144000"/>
@@ -127,7 +131,7 @@
   </p:defaultTextStyle>
   <p:extLst>
     <p:ext uri="{EFAFB233-063F-42B5-8137-9DF3F51BA10A}">
-      <p15:sldGuideLst xmlns:p15="http://schemas.microsoft.com/office/powerpoint/2012/main"/>
+      <p15:sldGuideLst xmlns:p15="http://schemas.microsoft.com/office/powerpoint/2012/main" xmlns=""/>
     </p:ext>
   </p:extLst>
 </p:presentation>
@@ -314,7 +318,8 @@
           <a:p>
             <a:fld id="{4E6510CF-53A1-43F3-96CF-77B0DBBA8A11}" type="datetimeFigureOut">
               <a:rPr lang="vi-VN" smtClean="0"/>
-              <a:t>18/12/2021</a:t>
+              <a:pPr/>
+              <a:t>19/12/2021</a:t>
             </a:fld>
             <a:endParaRPr lang="vi-VN"/>
           </a:p>
@@ -356,6 +361,7 @@
           <a:p>
             <a:fld id="{E8E82B7B-2032-4032-ACBA-A05F887E46B0}" type="slidenum">
               <a:rPr lang="vi-VN" smtClean="0"/>
+              <a:pPr/>
               <a:t>‹#›</a:t>
             </a:fld>
             <a:endParaRPr lang="vi-VN"/>
@@ -365,7 +371,7 @@
     </p:spTree>
     <p:extLst>
       <p:ext uri="{BB962C8B-B14F-4D97-AF65-F5344CB8AC3E}">
-        <p14:creationId xmlns:p14="http://schemas.microsoft.com/office/powerpoint/2010/main" val="2933356573"/>
+        <p14:creationId xmlns:p14="http://schemas.microsoft.com/office/powerpoint/2010/main" xmlns="" val="2933356573"/>
       </p:ext>
     </p:extLst>
   </p:cSld>
@@ -484,7 +490,8 @@
           <a:p>
             <a:fld id="{4E6510CF-53A1-43F3-96CF-77B0DBBA8A11}" type="datetimeFigureOut">
               <a:rPr lang="vi-VN" smtClean="0"/>
-              <a:t>18/12/2021</a:t>
+              <a:pPr/>
+              <a:t>19/12/2021</a:t>
             </a:fld>
             <a:endParaRPr lang="vi-VN"/>
           </a:p>
@@ -526,6 +533,7 @@
           <a:p>
             <a:fld id="{E8E82B7B-2032-4032-ACBA-A05F887E46B0}" type="slidenum">
               <a:rPr lang="vi-VN" smtClean="0"/>
+              <a:pPr/>
               <a:t>‹#›</a:t>
             </a:fld>
             <a:endParaRPr lang="vi-VN"/>
@@ -535,7 +543,7 @@
     </p:spTree>
     <p:extLst>
       <p:ext uri="{BB962C8B-B14F-4D97-AF65-F5344CB8AC3E}">
-        <p14:creationId xmlns:p14="http://schemas.microsoft.com/office/powerpoint/2010/main" val="1445906266"/>
+        <p14:creationId xmlns:p14="http://schemas.microsoft.com/office/powerpoint/2010/main" xmlns="" val="1445906266"/>
       </p:ext>
     </p:extLst>
   </p:cSld>
@@ -664,7 +672,8 @@
           <a:p>
             <a:fld id="{4E6510CF-53A1-43F3-96CF-77B0DBBA8A11}" type="datetimeFigureOut">
               <a:rPr lang="vi-VN" smtClean="0"/>
-              <a:t>18/12/2021</a:t>
+              <a:pPr/>
+              <a:t>19/12/2021</a:t>
             </a:fld>
             <a:endParaRPr lang="vi-VN"/>
           </a:p>
@@ -706,6 +715,7 @@
           <a:p>
             <a:fld id="{E8E82B7B-2032-4032-ACBA-A05F887E46B0}" type="slidenum">
               <a:rPr lang="vi-VN" smtClean="0"/>
+              <a:pPr/>
               <a:t>‹#›</a:t>
             </a:fld>
             <a:endParaRPr lang="vi-VN"/>
@@ -715,7 +725,7 @@
     </p:spTree>
     <p:extLst>
       <p:ext uri="{BB962C8B-B14F-4D97-AF65-F5344CB8AC3E}">
-        <p14:creationId xmlns:p14="http://schemas.microsoft.com/office/powerpoint/2010/main" val="1890713120"/>
+        <p14:creationId xmlns:p14="http://schemas.microsoft.com/office/powerpoint/2010/main" xmlns="" val="1890713120"/>
       </p:ext>
     </p:extLst>
   </p:cSld>
@@ -834,7 +844,8 @@
           <a:p>
             <a:fld id="{4E6510CF-53A1-43F3-96CF-77B0DBBA8A11}" type="datetimeFigureOut">
               <a:rPr lang="vi-VN" smtClean="0"/>
-              <a:t>18/12/2021</a:t>
+              <a:pPr/>
+              <a:t>19/12/2021</a:t>
             </a:fld>
             <a:endParaRPr lang="vi-VN"/>
           </a:p>
@@ -876,6 +887,7 @@
           <a:p>
             <a:fld id="{E8E82B7B-2032-4032-ACBA-A05F887E46B0}" type="slidenum">
               <a:rPr lang="vi-VN" smtClean="0"/>
+              <a:pPr/>
               <a:t>‹#›</a:t>
             </a:fld>
             <a:endParaRPr lang="vi-VN"/>
@@ -885,7 +897,7 @@
     </p:spTree>
     <p:extLst>
       <p:ext uri="{BB962C8B-B14F-4D97-AF65-F5344CB8AC3E}">
-        <p14:creationId xmlns:p14="http://schemas.microsoft.com/office/powerpoint/2010/main" val="2257779490"/>
+        <p14:creationId xmlns:p14="http://schemas.microsoft.com/office/powerpoint/2010/main" xmlns="" val="2257779490"/>
       </p:ext>
     </p:extLst>
   </p:cSld>
@@ -1080,7 +1092,8 @@
           <a:p>
             <a:fld id="{4E6510CF-53A1-43F3-96CF-77B0DBBA8A11}" type="datetimeFigureOut">
               <a:rPr lang="vi-VN" smtClean="0"/>
-              <a:t>18/12/2021</a:t>
+              <a:pPr/>
+              <a:t>19/12/2021</a:t>
             </a:fld>
             <a:endParaRPr lang="vi-VN"/>
           </a:p>
@@ -1122,6 +1135,7 @@
           <a:p>
             <a:fld id="{E8E82B7B-2032-4032-ACBA-A05F887E46B0}" type="slidenum">
               <a:rPr lang="vi-VN" smtClean="0"/>
+              <a:pPr/>
               <a:t>‹#›</a:t>
             </a:fld>
             <a:endParaRPr lang="vi-VN"/>
@@ -1131,7 +1145,7 @@
     </p:spTree>
     <p:extLst>
       <p:ext uri="{BB962C8B-B14F-4D97-AF65-F5344CB8AC3E}">
-        <p14:creationId xmlns:p14="http://schemas.microsoft.com/office/powerpoint/2010/main" val="2783697522"/>
+        <p14:creationId xmlns:p14="http://schemas.microsoft.com/office/powerpoint/2010/main" xmlns="" val="2783697522"/>
       </p:ext>
     </p:extLst>
   </p:cSld>
@@ -1368,7 +1382,8 @@
           <a:p>
             <a:fld id="{4E6510CF-53A1-43F3-96CF-77B0DBBA8A11}" type="datetimeFigureOut">
               <a:rPr lang="vi-VN" smtClean="0"/>
-              <a:t>18/12/2021</a:t>
+              <a:pPr/>
+              <a:t>19/12/2021</a:t>
             </a:fld>
             <a:endParaRPr lang="vi-VN"/>
           </a:p>
@@ -1410,6 +1425,7 @@
           <a:p>
             <a:fld id="{E8E82B7B-2032-4032-ACBA-A05F887E46B0}" type="slidenum">
               <a:rPr lang="vi-VN" smtClean="0"/>
+              <a:pPr/>
               <a:t>‹#›</a:t>
             </a:fld>
             <a:endParaRPr lang="vi-VN"/>
@@ -1419,7 +1435,7 @@
     </p:spTree>
     <p:extLst>
       <p:ext uri="{BB962C8B-B14F-4D97-AF65-F5344CB8AC3E}">
-        <p14:creationId xmlns:p14="http://schemas.microsoft.com/office/powerpoint/2010/main" val="3045102253"/>
+        <p14:creationId xmlns:p14="http://schemas.microsoft.com/office/powerpoint/2010/main" xmlns="" val="3045102253"/>
       </p:ext>
     </p:extLst>
   </p:cSld>
@@ -1790,7 +1806,8 @@
           <a:p>
             <a:fld id="{4E6510CF-53A1-43F3-96CF-77B0DBBA8A11}" type="datetimeFigureOut">
               <a:rPr lang="vi-VN" smtClean="0"/>
-              <a:t>18/12/2021</a:t>
+              <a:pPr/>
+              <a:t>19/12/2021</a:t>
             </a:fld>
             <a:endParaRPr lang="vi-VN"/>
           </a:p>
@@ -1832,6 +1849,7 @@
           <a:p>
             <a:fld id="{E8E82B7B-2032-4032-ACBA-A05F887E46B0}" type="slidenum">
               <a:rPr lang="vi-VN" smtClean="0"/>
+              <a:pPr/>
               <a:t>‹#›</a:t>
             </a:fld>
             <a:endParaRPr lang="vi-VN"/>
@@ -1841,7 +1859,7 @@
     </p:spTree>
     <p:extLst>
       <p:ext uri="{BB962C8B-B14F-4D97-AF65-F5344CB8AC3E}">
-        <p14:creationId xmlns:p14="http://schemas.microsoft.com/office/powerpoint/2010/main" val="87631467"/>
+        <p14:creationId xmlns:p14="http://schemas.microsoft.com/office/powerpoint/2010/main" xmlns="" val="87631467"/>
       </p:ext>
     </p:extLst>
   </p:cSld>
@@ -1908,7 +1926,8 @@
           <a:p>
             <a:fld id="{4E6510CF-53A1-43F3-96CF-77B0DBBA8A11}" type="datetimeFigureOut">
               <a:rPr lang="vi-VN" smtClean="0"/>
-              <a:t>18/12/2021</a:t>
+              <a:pPr/>
+              <a:t>19/12/2021</a:t>
             </a:fld>
             <a:endParaRPr lang="vi-VN"/>
           </a:p>
@@ -1950,6 +1969,7 @@
           <a:p>
             <a:fld id="{E8E82B7B-2032-4032-ACBA-A05F887E46B0}" type="slidenum">
               <a:rPr lang="vi-VN" smtClean="0"/>
+              <a:pPr/>
               <a:t>‹#›</a:t>
             </a:fld>
             <a:endParaRPr lang="vi-VN"/>
@@ -1959,7 +1979,7 @@
     </p:spTree>
     <p:extLst>
       <p:ext uri="{BB962C8B-B14F-4D97-AF65-F5344CB8AC3E}">
-        <p14:creationId xmlns:p14="http://schemas.microsoft.com/office/powerpoint/2010/main" val="3703578725"/>
+        <p14:creationId xmlns:p14="http://schemas.microsoft.com/office/powerpoint/2010/main" xmlns="" val="3703578725"/>
       </p:ext>
     </p:extLst>
   </p:cSld>
@@ -2003,7 +2023,8 @@
           <a:p>
             <a:fld id="{4E6510CF-53A1-43F3-96CF-77B0DBBA8A11}" type="datetimeFigureOut">
               <a:rPr lang="vi-VN" smtClean="0"/>
-              <a:t>18/12/2021</a:t>
+              <a:pPr/>
+              <a:t>19/12/2021</a:t>
             </a:fld>
             <a:endParaRPr lang="vi-VN"/>
           </a:p>
@@ -2045,6 +2066,7 @@
           <a:p>
             <a:fld id="{E8E82B7B-2032-4032-ACBA-A05F887E46B0}" type="slidenum">
               <a:rPr lang="vi-VN" smtClean="0"/>
+              <a:pPr/>
               <a:t>‹#›</a:t>
             </a:fld>
             <a:endParaRPr lang="vi-VN"/>
@@ -2054,7 +2076,7 @@
     </p:spTree>
     <p:extLst>
       <p:ext uri="{BB962C8B-B14F-4D97-AF65-F5344CB8AC3E}">
-        <p14:creationId xmlns:p14="http://schemas.microsoft.com/office/powerpoint/2010/main" val="1270443443"/>
+        <p14:creationId xmlns:p14="http://schemas.microsoft.com/office/powerpoint/2010/main" xmlns="" val="1270443443"/>
       </p:ext>
     </p:extLst>
   </p:cSld>
@@ -2280,7 +2302,8 @@
           <a:p>
             <a:fld id="{4E6510CF-53A1-43F3-96CF-77B0DBBA8A11}" type="datetimeFigureOut">
               <a:rPr lang="vi-VN" smtClean="0"/>
-              <a:t>18/12/2021</a:t>
+              <a:pPr/>
+              <a:t>19/12/2021</a:t>
             </a:fld>
             <a:endParaRPr lang="vi-VN"/>
           </a:p>
@@ -2322,6 +2345,7 @@
           <a:p>
             <a:fld id="{E8E82B7B-2032-4032-ACBA-A05F887E46B0}" type="slidenum">
               <a:rPr lang="vi-VN" smtClean="0"/>
+              <a:pPr/>
               <a:t>‹#›</a:t>
             </a:fld>
             <a:endParaRPr lang="vi-VN"/>
@@ -2331,7 +2355,7 @@
     </p:spTree>
     <p:extLst>
       <p:ext uri="{BB962C8B-B14F-4D97-AF65-F5344CB8AC3E}">
-        <p14:creationId xmlns:p14="http://schemas.microsoft.com/office/powerpoint/2010/main" val="177817909"/>
+        <p14:creationId xmlns:p14="http://schemas.microsoft.com/office/powerpoint/2010/main" xmlns="" val="177817909"/>
       </p:ext>
     </p:extLst>
   </p:cSld>
@@ -2537,7 +2561,8 @@
           <a:p>
             <a:fld id="{4E6510CF-53A1-43F3-96CF-77B0DBBA8A11}" type="datetimeFigureOut">
               <a:rPr lang="vi-VN" smtClean="0"/>
-              <a:t>18/12/2021</a:t>
+              <a:pPr/>
+              <a:t>19/12/2021</a:t>
             </a:fld>
             <a:endParaRPr lang="vi-VN"/>
           </a:p>
@@ -2579,6 +2604,7 @@
           <a:p>
             <a:fld id="{E8E82B7B-2032-4032-ACBA-A05F887E46B0}" type="slidenum">
               <a:rPr lang="vi-VN" smtClean="0"/>
+              <a:pPr/>
               <a:t>‹#›</a:t>
             </a:fld>
             <a:endParaRPr lang="vi-VN"/>
@@ -2588,7 +2614,7 @@
     </p:spTree>
     <p:extLst>
       <p:ext uri="{BB962C8B-B14F-4D97-AF65-F5344CB8AC3E}">
-        <p14:creationId xmlns:p14="http://schemas.microsoft.com/office/powerpoint/2010/main" val="3965601584"/>
+        <p14:creationId xmlns:p14="http://schemas.microsoft.com/office/powerpoint/2010/main" xmlns="" val="3965601584"/>
       </p:ext>
     </p:extLst>
   </p:cSld>
@@ -2755,7 +2781,8 @@
           <a:p>
             <a:fld id="{4E6510CF-53A1-43F3-96CF-77B0DBBA8A11}" type="datetimeFigureOut">
               <a:rPr lang="vi-VN" smtClean="0"/>
-              <a:t>18/12/2021</a:t>
+              <a:pPr/>
+              <a:t>19/12/2021</a:t>
             </a:fld>
             <a:endParaRPr lang="vi-VN"/>
           </a:p>
@@ -2833,6 +2860,7 @@
           <a:p>
             <a:fld id="{E8E82B7B-2032-4032-ACBA-A05F887E46B0}" type="slidenum">
               <a:rPr lang="vi-VN" smtClean="0"/>
+              <a:pPr/>
               <a:t>‹#›</a:t>
             </a:fld>
             <a:endParaRPr lang="vi-VN"/>
@@ -2842,7 +2870,7 @@
     </p:spTree>
     <p:extLst>
       <p:ext uri="{BB962C8B-B14F-4D97-AF65-F5344CB8AC3E}">
-        <p14:creationId xmlns:p14="http://schemas.microsoft.com/office/powerpoint/2010/main" val="332634618"/>
+        <p14:creationId xmlns:p14="http://schemas.microsoft.com/office/powerpoint/2010/main" xmlns="" val="332634618"/>
       </p:ext>
     </p:extLst>
   </p:cSld>
@@ -3189,13 +3217,20 @@
     </p:spTree>
     <p:extLst>
       <p:ext uri="{BB962C8B-B14F-4D97-AF65-F5344CB8AC3E}">
-        <p14:creationId xmlns:p14="http://schemas.microsoft.com/office/powerpoint/2010/main" val="1270773829"/>
+        <p14:creationId xmlns:p14="http://schemas.microsoft.com/office/powerpoint/2010/main" xmlns="" val="1270773829"/>
       </p:ext>
     </p:extLst>
   </p:cSld>
   <p:clrMapOvr>
     <a:masterClrMapping/>
   </p:clrMapOvr>
+  <p:timing>
+    <p:tnLst>
+      <p:par>
+        <p:cTn id="1" dur="indefinite" restart="never" nodeType="tmRoot"/>
+      </p:par>
+    </p:tnLst>
+  </p:timing>
 </p:sld>
 </file>
 
@@ -4051,7 +4086,7 @@
     </p:spTree>
     <p:extLst>
       <p:ext uri="{BB962C8B-B14F-4D97-AF65-F5344CB8AC3E}">
-        <p14:creationId xmlns:p14="http://schemas.microsoft.com/office/powerpoint/2010/main" val="1770988238"/>
+        <p14:creationId xmlns:p14="http://schemas.microsoft.com/office/powerpoint/2010/main" xmlns="" val="1770988238"/>
       </p:ext>
     </p:extLst>
   </p:cSld>
@@ -5218,7 +5253,7 @@
     </p:spTree>
     <p:extLst>
       <p:ext uri="{BB962C8B-B14F-4D97-AF65-F5344CB8AC3E}">
-        <p14:creationId xmlns:p14="http://schemas.microsoft.com/office/powerpoint/2010/main" val="3984837297"/>
+        <p14:creationId xmlns:p14="http://schemas.microsoft.com/office/powerpoint/2010/main" xmlns="" val="3984837297"/>
       </p:ext>
     </p:extLst>
   </p:cSld>
@@ -5311,13 +5346,20 @@
     </p:spTree>
     <p:extLst>
       <p:ext uri="{BB962C8B-B14F-4D97-AF65-F5344CB8AC3E}">
-        <p14:creationId xmlns:p14="http://schemas.microsoft.com/office/powerpoint/2010/main" val="3150746465"/>
+        <p14:creationId xmlns:p14="http://schemas.microsoft.com/office/powerpoint/2010/main" xmlns="" val="3150746465"/>
       </p:ext>
     </p:extLst>
   </p:cSld>
   <p:clrMapOvr>
     <a:masterClrMapping/>
   </p:clrMapOvr>
+  <p:timing>
+    <p:tnLst>
+      <p:par>
+        <p:cTn id="1" dur="indefinite" restart="never" nodeType="tmRoot"/>
+      </p:par>
+    </p:tnLst>
+  </p:timing>
 </p:sld>
 </file>
 
@@ -5441,7 +5483,7 @@
     </p:spTree>
     <p:extLst>
       <p:ext uri="{BB962C8B-B14F-4D97-AF65-F5344CB8AC3E}">
-        <p14:creationId xmlns:p14="http://schemas.microsoft.com/office/powerpoint/2010/main" val="4061172783"/>
+        <p14:creationId xmlns:p14="http://schemas.microsoft.com/office/powerpoint/2010/main" xmlns="" val="4061172783"/>
       </p:ext>
     </p:extLst>
   </p:cSld>
@@ -5571,7 +5613,7 @@
     </p:spTree>
     <p:extLst>
       <p:ext uri="{BB962C8B-B14F-4D97-AF65-F5344CB8AC3E}">
-        <p14:creationId xmlns:p14="http://schemas.microsoft.com/office/powerpoint/2010/main" val="4129176964"/>
+        <p14:creationId xmlns:p14="http://schemas.microsoft.com/office/powerpoint/2010/main" xmlns="" val="4129176964"/>
       </p:ext>
     </p:extLst>
   </p:cSld>
@@ -5668,7 +5710,7 @@
     </p:spTree>
     <p:extLst>
       <p:ext uri="{BB962C8B-B14F-4D97-AF65-F5344CB8AC3E}">
-        <p14:creationId xmlns:p14="http://schemas.microsoft.com/office/powerpoint/2010/main" val="396802503"/>
+        <p14:creationId xmlns:p14="http://schemas.microsoft.com/office/powerpoint/2010/main" xmlns="" val="396802503"/>
       </p:ext>
     </p:extLst>
   </p:cSld>
@@ -5765,7 +5807,7 @@
     </p:spTree>
     <p:extLst>
       <p:ext uri="{BB962C8B-B14F-4D97-AF65-F5344CB8AC3E}">
-        <p14:creationId xmlns:p14="http://schemas.microsoft.com/office/powerpoint/2010/main" val="4207764909"/>
+        <p14:creationId xmlns:p14="http://schemas.microsoft.com/office/powerpoint/2010/main" xmlns="" val="4207764909"/>
       </p:ext>
     </p:extLst>
   </p:cSld>
@@ -5850,7 +5892,7 @@
     </p:spTree>
     <p:extLst>
       <p:ext uri="{BB962C8B-B14F-4D97-AF65-F5344CB8AC3E}">
-        <p14:creationId xmlns:p14="http://schemas.microsoft.com/office/powerpoint/2010/main" val="1652997578"/>
+        <p14:creationId xmlns:p14="http://schemas.microsoft.com/office/powerpoint/2010/main" xmlns="" val="1652997578"/>
       </p:ext>
     </p:extLst>
   </p:cSld>
@@ -5980,7 +6022,7 @@
     </p:spTree>
     <p:extLst>
       <p:ext uri="{BB962C8B-B14F-4D97-AF65-F5344CB8AC3E}">
-        <p14:creationId xmlns:p14="http://schemas.microsoft.com/office/powerpoint/2010/main" val="211427383"/>
+        <p14:creationId xmlns:p14="http://schemas.microsoft.com/office/powerpoint/2010/main" xmlns="" val="211427383"/>
       </p:ext>
     </p:extLst>
   </p:cSld>
@@ -6110,7 +6152,7 @@
     </p:spTree>
     <p:extLst>
       <p:ext uri="{BB962C8B-B14F-4D97-AF65-F5344CB8AC3E}">
-        <p14:creationId xmlns:p14="http://schemas.microsoft.com/office/powerpoint/2010/main" val="487456391"/>
+        <p14:creationId xmlns:p14="http://schemas.microsoft.com/office/powerpoint/2010/main" xmlns="" val="487456391"/>
       </p:ext>
     </p:extLst>
   </p:cSld>
@@ -6207,13 +6249,20 @@
     </p:spTree>
     <p:extLst>
       <p:ext uri="{BB962C8B-B14F-4D97-AF65-F5344CB8AC3E}">
-        <p14:creationId xmlns:p14="http://schemas.microsoft.com/office/powerpoint/2010/main" val="4265757232"/>
+        <p14:creationId xmlns:p14="http://schemas.microsoft.com/office/powerpoint/2010/main" xmlns="" val="4265757232"/>
       </p:ext>
     </p:extLst>
   </p:cSld>
   <p:clrMapOvr>
     <a:masterClrMapping/>
   </p:clrMapOvr>
+  <p:timing>
+    <p:tnLst>
+      <p:par>
+        <p:cTn id="1" dur="indefinite" restart="never" nodeType="tmRoot"/>
+      </p:par>
+    </p:tnLst>
+  </p:timing>
 </p:sld>
 </file>
 
@@ -6337,7 +6386,7 @@
     </p:spTree>
     <p:extLst>
       <p:ext uri="{BB962C8B-B14F-4D97-AF65-F5344CB8AC3E}">
-        <p14:creationId xmlns:p14="http://schemas.microsoft.com/office/powerpoint/2010/main" val="3553366583"/>
+        <p14:creationId xmlns:p14="http://schemas.microsoft.com/office/powerpoint/2010/main" xmlns="" val="3553366583"/>
       </p:ext>
     </p:extLst>
   </p:cSld>
@@ -6467,7 +6516,7 @@
     </p:spTree>
     <p:extLst>
       <p:ext uri="{BB962C8B-B14F-4D97-AF65-F5344CB8AC3E}">
-        <p14:creationId xmlns:p14="http://schemas.microsoft.com/office/powerpoint/2010/main" val="3760740525"/>
+        <p14:creationId xmlns:p14="http://schemas.microsoft.com/office/powerpoint/2010/main" xmlns="" val="3760740525"/>
       </p:ext>
     </p:extLst>
   </p:cSld>
@@ -6585,9 +6634,891 @@
     </p:spTree>
     <p:extLst>
       <p:ext uri="{BB962C8B-B14F-4D97-AF65-F5344CB8AC3E}">
-        <p14:creationId xmlns:p14="http://schemas.microsoft.com/office/powerpoint/2010/main" val="3127772699"/>
+        <p14:creationId xmlns:p14="http://schemas.microsoft.com/office/powerpoint/2010/main" xmlns="" val="3127772699"/>
       </p:ext>
     </p:extLst>
+  </p:cSld>
+  <p:clrMapOvr>
+    <a:masterClrMapping/>
+  </p:clrMapOvr>
+</p:sld>
+</file>
+
+<file path=ppt/slides/slide23.xml><?xml version="1.0" encoding="utf-8"?>
+<p:sld xmlns:a="http://schemas.openxmlformats.org/drawingml/2006/main" xmlns:r="http://schemas.openxmlformats.org/officeDocument/2006/relationships" xmlns:p="http://schemas.openxmlformats.org/presentationml/2006/main">
+  <p:cSld>
+    <p:spTree>
+      <p:nvGrpSpPr>
+        <p:cNvPr id="1" name=""/>
+        <p:cNvGrpSpPr/>
+        <p:nvPr/>
+      </p:nvGrpSpPr>
+      <p:grpSpPr>
+        <a:xfrm>
+          <a:off x="0" y="0"/>
+          <a:ext cx="0" cy="0"/>
+          <a:chOff x="0" y="0"/>
+          <a:chExt cx="0" cy="0"/>
+        </a:xfrm>
+      </p:grpSpPr>
+      <p:sp>
+        <p:nvSpPr>
+          <p:cNvPr id="2" name="標題 1"/>
+          <p:cNvSpPr>
+            <a:spLocks noGrp="1"/>
+          </p:cNvSpPr>
+          <p:nvPr>
+            <p:ph type="title"/>
+          </p:nvPr>
+        </p:nvSpPr>
+        <p:spPr/>
+        <p:txBody>
+          <a:bodyPr/>
+          <a:lstStyle/>
+          <a:p>
+            <a:pPr lvl="0"/>
+            <a:r>
+              <a:rPr kumimoji="1" lang="zh-TW" altLang="en-US" b="1" dirty="0" smtClean="0">
+                <a:solidFill>
+                  <a:schemeClr val="tx1"/>
+                </a:solidFill>
+                <a:latin typeface="Microsoft JhengHei" panose="020B0604030504040204" pitchFamily="34" charset="-120"/>
+                <a:ea typeface="Microsoft JhengHei" panose="020B0604030504040204" pitchFamily="34" charset="-120"/>
+                <a:cs typeface="全真行書" pitchFamily="49" charset="-120"/>
+              </a:rPr>
+              <a:t>一件禮物</a:t>
+            </a:r>
+            <a:endParaRPr kumimoji="1" lang="zh-TW" altLang="en-US" sz="700" b="1" dirty="0">
+              <a:latin typeface="Microsoft JhengHei" panose="020B0604030504040204" pitchFamily="34" charset="-120"/>
+              <a:ea typeface="Microsoft JhengHei" panose="020B0604030504040204" pitchFamily="34" charset="-120"/>
+              <a:cs typeface="新細明體" pitchFamily="18" charset="-120"/>
+            </a:endParaRPr>
+          </a:p>
+        </p:txBody>
+      </p:sp>
+      <p:sp>
+        <p:nvSpPr>
+          <p:cNvPr id="3" name="內容版面配置區 2"/>
+          <p:cNvSpPr>
+            <a:spLocks noGrp="1"/>
+          </p:cNvSpPr>
+          <p:nvPr>
+            <p:ph idx="1"/>
+          </p:nvPr>
+        </p:nvSpPr>
+        <p:spPr/>
+        <p:txBody>
+          <a:bodyPr/>
+          <a:lstStyle/>
+          <a:p>
+            <a:pPr marL="0" indent="0" algn="ctr" eaLnBrk="0" hangingPunct="0">
+              <a:spcBef>
+                <a:spcPct val="0"/>
+              </a:spcBef>
+              <a:buNone/>
+            </a:pPr>
+            <a:r>
+              <a:rPr kumimoji="1" lang="zh-TW" altLang="en-US" sz="5400" b="1" dirty="0">
+                <a:latin typeface="Microsoft JhengHei" panose="020B0604030504040204" pitchFamily="34" charset="-120"/>
+                <a:ea typeface="Microsoft JhengHei" panose="020B0604030504040204" pitchFamily="34" charset="-120"/>
+                <a:cs typeface="全真楷書" pitchFamily="49" charset="-120"/>
+              </a:rPr>
+              <a:t>有一件禮物</a:t>
+            </a:r>
+            <a:r>
+              <a:rPr kumimoji="1" lang="en-US" altLang="zh-TW" sz="5400" b="1" dirty="0">
+                <a:latin typeface="Microsoft JhengHei" panose="020B0604030504040204" pitchFamily="34" charset="-120"/>
+                <a:ea typeface="Microsoft JhengHei" panose="020B0604030504040204" pitchFamily="34" charset="-120"/>
+                <a:cs typeface="全真楷書" pitchFamily="49" charset="-120"/>
+              </a:rPr>
+              <a:t>  </a:t>
+            </a:r>
+            <a:r>
+              <a:rPr kumimoji="1" lang="zh-TW" altLang="en-US" sz="5400" b="1" dirty="0">
+                <a:latin typeface="Microsoft JhengHei" panose="020B0604030504040204" pitchFamily="34" charset="-120"/>
+                <a:ea typeface="Microsoft JhengHei" panose="020B0604030504040204" pitchFamily="34" charset="-120"/>
+                <a:cs typeface="全真楷書" pitchFamily="49" charset="-120"/>
+              </a:rPr>
+              <a:t>你收到沒</a:t>
+            </a:r>
+            <a:r>
+              <a:rPr kumimoji="1" lang="zh-TW" altLang="en-US" sz="5400" b="1" dirty="0" smtClean="0">
+                <a:latin typeface="Microsoft JhengHei" panose="020B0604030504040204" pitchFamily="34" charset="-120"/>
+                <a:ea typeface="Microsoft JhengHei" panose="020B0604030504040204" pitchFamily="34" charset="-120"/>
+                <a:cs typeface="全真楷書" pitchFamily="49" charset="-120"/>
+              </a:rPr>
+              <a:t>有</a:t>
+            </a:r>
+            <a:endParaRPr kumimoji="1" lang="en-US" altLang="zh-TW" sz="5400" b="1" dirty="0" smtClean="0">
+              <a:latin typeface="Microsoft JhengHei" panose="020B0604030504040204" pitchFamily="34" charset="-120"/>
+              <a:ea typeface="Microsoft JhengHei" panose="020B0604030504040204" pitchFamily="34" charset="-120"/>
+              <a:cs typeface="全真楷書" pitchFamily="49" charset="-120"/>
+            </a:endParaRPr>
+          </a:p>
+          <a:p>
+            <a:pPr marL="0" indent="0" algn="ctr" eaLnBrk="0" hangingPunct="0">
+              <a:spcBef>
+                <a:spcPct val="0"/>
+              </a:spcBef>
+              <a:buNone/>
+            </a:pPr>
+            <a:r>
+              <a:rPr kumimoji="1" lang="zh-TW" altLang="en-US" sz="5400" b="1" dirty="0" smtClean="0">
+                <a:latin typeface="Microsoft JhengHei" panose="020B0604030504040204" pitchFamily="34" charset="-120"/>
+                <a:ea typeface="Microsoft JhengHei" panose="020B0604030504040204" pitchFamily="34" charset="-120"/>
+                <a:cs typeface="全真楷書" pitchFamily="49" charset="-120"/>
+              </a:rPr>
+              <a:t>眼</a:t>
+            </a:r>
+            <a:r>
+              <a:rPr kumimoji="1" lang="zh-TW" altLang="en-US" sz="5400" b="1" dirty="0">
+                <a:latin typeface="Microsoft JhengHei" panose="020B0604030504040204" pitchFamily="34" charset="-120"/>
+                <a:ea typeface="Microsoft JhengHei" panose="020B0604030504040204" pitchFamily="34" charset="-120"/>
+                <a:cs typeface="全真楷書" pitchFamily="49" charset="-120"/>
+              </a:rPr>
+              <a:t>睛看不到</a:t>
+            </a:r>
+            <a:r>
+              <a:rPr kumimoji="1" lang="en-US" altLang="zh-TW" sz="5400" b="1" dirty="0">
+                <a:latin typeface="Microsoft JhengHei" panose="020B0604030504040204" pitchFamily="34" charset="-120"/>
+                <a:ea typeface="Microsoft JhengHei" panose="020B0604030504040204" pitchFamily="34" charset="-120"/>
+                <a:cs typeface="全真楷書" pitchFamily="49" charset="-120"/>
+              </a:rPr>
+              <a:t>  </a:t>
+            </a:r>
+            <a:r>
+              <a:rPr kumimoji="1" lang="zh-TW" altLang="en-US" sz="5400" b="1" dirty="0">
+                <a:latin typeface="Microsoft JhengHei" panose="020B0604030504040204" pitchFamily="34" charset="-120"/>
+                <a:ea typeface="Microsoft JhengHei" panose="020B0604030504040204" pitchFamily="34" charset="-120"/>
+                <a:cs typeface="全真楷書" pitchFamily="49" charset="-120"/>
+              </a:rPr>
+              <a:t>你心會知道</a:t>
+            </a:r>
+            <a:endParaRPr kumimoji="1" lang="en-US" altLang="zh-TW" sz="5400" b="1" dirty="0">
+              <a:latin typeface="Microsoft JhengHei" panose="020B0604030504040204" pitchFamily="34" charset="-120"/>
+              <a:ea typeface="Microsoft JhengHei" panose="020B0604030504040204" pitchFamily="34" charset="-120"/>
+              <a:cs typeface="全真楷書" pitchFamily="49" charset="-120"/>
+            </a:endParaRPr>
+          </a:p>
+          <a:p>
+            <a:pPr marL="0" indent="0" algn="ctr" eaLnBrk="0" hangingPunct="0">
+              <a:spcBef>
+                <a:spcPct val="0"/>
+              </a:spcBef>
+              <a:buNone/>
+            </a:pPr>
+            <a:r>
+              <a:rPr kumimoji="1" lang="zh-TW" altLang="en-US" sz="5400" b="1" dirty="0">
+                <a:latin typeface="Microsoft JhengHei" panose="020B0604030504040204" pitchFamily="34" charset="-120"/>
+                <a:ea typeface="Microsoft JhengHei" panose="020B0604030504040204" pitchFamily="34" charset="-120"/>
+                <a:cs typeface="全真楷書" pitchFamily="49" charset="-120"/>
+              </a:rPr>
+              <a:t>這一件禮物</a:t>
+            </a:r>
+            <a:r>
+              <a:rPr kumimoji="1" lang="en-US" altLang="zh-TW" sz="5400" b="1" dirty="0">
+                <a:latin typeface="Microsoft JhengHei" panose="020B0604030504040204" pitchFamily="34" charset="-120"/>
+                <a:ea typeface="Microsoft JhengHei" panose="020B0604030504040204" pitchFamily="34" charset="-120"/>
+                <a:cs typeface="全真楷書" pitchFamily="49" charset="-120"/>
+              </a:rPr>
+              <a:t>  </a:t>
+            </a:r>
+            <a:r>
+              <a:rPr kumimoji="1" lang="zh-TW" altLang="en-US" sz="5400" b="1" dirty="0">
+                <a:latin typeface="Microsoft JhengHei" panose="020B0604030504040204" pitchFamily="34" charset="-120"/>
+                <a:ea typeface="Microsoft JhengHei" panose="020B0604030504040204" pitchFamily="34" charset="-120"/>
+                <a:cs typeface="全真楷書" pitchFamily="49" charset="-120"/>
+              </a:rPr>
+              <a:t>心門外等候</a:t>
+            </a:r>
+            <a:endParaRPr kumimoji="1" lang="en-US" altLang="zh-TW" sz="5400" b="1" dirty="0">
+              <a:latin typeface="Microsoft JhengHei" panose="020B0604030504040204" pitchFamily="34" charset="-120"/>
+              <a:ea typeface="Microsoft JhengHei" panose="020B0604030504040204" pitchFamily="34" charset="-120"/>
+              <a:cs typeface="全真楷書" pitchFamily="49" charset="-120"/>
+            </a:endParaRPr>
+          </a:p>
+          <a:p>
+            <a:pPr marL="0" indent="0" algn="ctr" eaLnBrk="0" hangingPunct="0">
+              <a:spcBef>
+                <a:spcPct val="0"/>
+              </a:spcBef>
+              <a:buNone/>
+            </a:pPr>
+            <a:r>
+              <a:rPr kumimoji="1" lang="zh-TW" altLang="en-US" sz="5400" b="1" dirty="0">
+                <a:latin typeface="Microsoft JhengHei" panose="020B0604030504040204" pitchFamily="34" charset="-120"/>
+                <a:ea typeface="Microsoft JhengHei" panose="020B0604030504040204" pitchFamily="34" charset="-120"/>
+                <a:cs typeface="全真楷書" pitchFamily="49" charset="-120"/>
+              </a:rPr>
+              <a:t>是為了你準備</a:t>
+            </a:r>
+            <a:r>
+              <a:rPr kumimoji="1" lang="en-US" altLang="zh-TW" sz="5400" b="1" dirty="0">
+                <a:latin typeface="Microsoft JhengHei" panose="020B0604030504040204" pitchFamily="34" charset="-120"/>
+                <a:ea typeface="Microsoft JhengHei" panose="020B0604030504040204" pitchFamily="34" charset="-120"/>
+                <a:cs typeface="全真楷書" pitchFamily="49" charset="-120"/>
+              </a:rPr>
+              <a:t>  </a:t>
+            </a:r>
+            <a:r>
+              <a:rPr kumimoji="1" lang="zh-TW" altLang="en-US" sz="5400" b="1" dirty="0">
+                <a:latin typeface="Microsoft JhengHei" panose="020B0604030504040204" pitchFamily="34" charset="-120"/>
+                <a:ea typeface="Microsoft JhengHei" panose="020B0604030504040204" pitchFamily="34" charset="-120"/>
+                <a:cs typeface="全真楷書" pitchFamily="49" charset="-120"/>
+              </a:rPr>
+              <a:t>別人不能收</a:t>
+            </a:r>
+            <a:endParaRPr lang="zh-TW" altLang="en-US" sz="5400" b="1" dirty="0">
+              <a:latin typeface="Microsoft JhengHei" panose="020B0604030504040204" pitchFamily="34" charset="-120"/>
+              <a:ea typeface="Microsoft JhengHei" panose="020B0604030504040204" pitchFamily="34" charset="-120"/>
+            </a:endParaRPr>
+          </a:p>
+        </p:txBody>
+      </p:sp>
+    </p:spTree>
+  </p:cSld>
+  <p:clrMapOvr>
+    <a:masterClrMapping/>
+  </p:clrMapOvr>
+</p:sld>
+</file>
+
+<file path=ppt/slides/slide24.xml><?xml version="1.0" encoding="utf-8"?>
+<p:sld xmlns:a="http://schemas.openxmlformats.org/drawingml/2006/main" xmlns:r="http://schemas.openxmlformats.org/officeDocument/2006/relationships" xmlns:p="http://schemas.openxmlformats.org/presentationml/2006/main">
+  <p:cSld>
+    <p:spTree>
+      <p:nvGrpSpPr>
+        <p:cNvPr id="1" name=""/>
+        <p:cNvGrpSpPr/>
+        <p:nvPr/>
+      </p:nvGrpSpPr>
+      <p:grpSpPr>
+        <a:xfrm>
+          <a:off x="0" y="0"/>
+          <a:ext cx="0" cy="0"/>
+          <a:chOff x="0" y="0"/>
+          <a:chExt cx="0" cy="0"/>
+        </a:xfrm>
+      </p:grpSpPr>
+      <p:sp>
+        <p:nvSpPr>
+          <p:cNvPr id="2" name="標題 1"/>
+          <p:cNvSpPr>
+            <a:spLocks noGrp="1"/>
+          </p:cNvSpPr>
+          <p:nvPr>
+            <p:ph type="title"/>
+          </p:nvPr>
+        </p:nvSpPr>
+        <p:spPr/>
+        <p:txBody>
+          <a:bodyPr>
+            <a:normAutofit/>
+          </a:bodyPr>
+          <a:lstStyle/>
+          <a:p>
+            <a:pPr lvl="0"/>
+            <a:r>
+              <a:rPr kumimoji="1" lang="zh-TW" altLang="en-US" b="1" dirty="0">
+                <a:latin typeface="Microsoft JhengHei" panose="020B0604030504040204" pitchFamily="34" charset="-120"/>
+                <a:ea typeface="Microsoft JhengHei" panose="020B0604030504040204" pitchFamily="34" charset="-120"/>
+                <a:cs typeface="全真行書" pitchFamily="49" charset="-120"/>
+              </a:rPr>
+              <a:t>一件禮物</a:t>
+            </a:r>
+          </a:p>
+        </p:txBody>
+      </p:sp>
+      <p:sp>
+        <p:nvSpPr>
+          <p:cNvPr id="3" name="內容版面配置區 2"/>
+          <p:cNvSpPr>
+            <a:spLocks noGrp="1"/>
+          </p:cNvSpPr>
+          <p:nvPr>
+            <p:ph idx="1"/>
+          </p:nvPr>
+        </p:nvSpPr>
+        <p:spPr/>
+        <p:txBody>
+          <a:bodyPr>
+            <a:normAutofit/>
+          </a:bodyPr>
+          <a:lstStyle/>
+          <a:p>
+            <a:pPr marL="0" indent="0" algn="ctr" eaLnBrk="0" hangingPunct="0">
+              <a:spcBef>
+                <a:spcPct val="0"/>
+              </a:spcBef>
+              <a:buNone/>
+            </a:pPr>
+            <a:r>
+              <a:rPr kumimoji="1" lang="zh-TW" altLang="en-US" sz="5400" b="1" dirty="0">
+                <a:latin typeface="Microsoft JhengHei" panose="020B0604030504040204" pitchFamily="34" charset="-120"/>
+                <a:ea typeface="Microsoft JhengHei" panose="020B0604030504040204" pitchFamily="34" charset="-120"/>
+                <a:cs typeface="全真楷書" pitchFamily="49" charset="-120"/>
+              </a:rPr>
+              <a:t>生命有限</a:t>
+            </a:r>
+            <a:r>
+              <a:rPr kumimoji="1" lang="en-US" altLang="zh-TW" sz="5400" b="1" dirty="0">
+                <a:latin typeface="Microsoft JhengHei" panose="020B0604030504040204" pitchFamily="34" charset="-120"/>
+                <a:ea typeface="Microsoft JhengHei" panose="020B0604030504040204" pitchFamily="34" charset="-120"/>
+                <a:cs typeface="全真楷書" pitchFamily="49" charset="-120"/>
+              </a:rPr>
+              <a:t>  </a:t>
+            </a:r>
+            <a:r>
+              <a:rPr kumimoji="1" lang="zh-TW" altLang="en-US" sz="5400" b="1" dirty="0">
+                <a:latin typeface="Microsoft JhengHei" panose="020B0604030504040204" pitchFamily="34" charset="-120"/>
+                <a:ea typeface="Microsoft JhengHei" panose="020B0604030504040204" pitchFamily="34" charset="-120"/>
+                <a:cs typeface="全真楷書" pitchFamily="49" charset="-120"/>
+              </a:rPr>
+              <a:t>時光也會走</a:t>
+            </a:r>
+            <a:endParaRPr kumimoji="1" lang="en-US" altLang="zh-TW" sz="5400" b="1" dirty="0">
+              <a:latin typeface="Microsoft JhengHei" panose="020B0604030504040204" pitchFamily="34" charset="-120"/>
+              <a:ea typeface="Microsoft JhengHei" panose="020B0604030504040204" pitchFamily="34" charset="-120"/>
+              <a:cs typeface="全真楷書" pitchFamily="49" charset="-120"/>
+            </a:endParaRPr>
+          </a:p>
+          <a:p>
+            <a:pPr marL="0" indent="0" algn="ctr" eaLnBrk="0" hangingPunct="0">
+              <a:spcBef>
+                <a:spcPct val="0"/>
+              </a:spcBef>
+              <a:buNone/>
+            </a:pPr>
+            <a:r>
+              <a:rPr kumimoji="1" lang="zh-TW" altLang="en-US" sz="5400" b="1" dirty="0">
+                <a:latin typeface="Microsoft JhengHei" panose="020B0604030504040204" pitchFamily="34" charset="-120"/>
+                <a:ea typeface="Microsoft JhengHei" panose="020B0604030504040204" pitchFamily="34" charset="-120"/>
+                <a:cs typeface="全真楷書" pitchFamily="49" charset="-120"/>
+              </a:rPr>
+              <a:t>如果你不珍惜</a:t>
+            </a:r>
+            <a:r>
+              <a:rPr kumimoji="1" lang="en-US" altLang="zh-TW" sz="5400" b="1" dirty="0">
+                <a:latin typeface="Microsoft JhengHei" panose="020B0604030504040204" pitchFamily="34" charset="-120"/>
+                <a:ea typeface="Microsoft JhengHei" panose="020B0604030504040204" pitchFamily="34" charset="-120"/>
+                <a:cs typeface="全真楷書" pitchFamily="49" charset="-120"/>
+              </a:rPr>
+              <a:t>  </a:t>
+            </a:r>
+            <a:r>
+              <a:rPr kumimoji="1" lang="zh-TW" altLang="en-US" sz="5400" b="1" dirty="0">
+                <a:latin typeface="Microsoft JhengHei" panose="020B0604030504040204" pitchFamily="34" charset="-120"/>
+                <a:ea typeface="Microsoft JhengHei" panose="020B0604030504040204" pitchFamily="34" charset="-120"/>
+                <a:cs typeface="全真楷書" pitchFamily="49" charset="-120"/>
+              </a:rPr>
+              <a:t>機會難留</a:t>
+            </a:r>
+            <a:endParaRPr kumimoji="1" lang="en-US" altLang="zh-TW" sz="5400" b="1" dirty="0">
+              <a:latin typeface="Microsoft JhengHei" panose="020B0604030504040204" pitchFamily="34" charset="-120"/>
+              <a:ea typeface="Microsoft JhengHei" panose="020B0604030504040204" pitchFamily="34" charset="-120"/>
+              <a:cs typeface="全真楷書" pitchFamily="49" charset="-120"/>
+            </a:endParaRPr>
+          </a:p>
+          <a:p>
+            <a:pPr marL="0" indent="0" algn="ctr" eaLnBrk="0" hangingPunct="0">
+              <a:spcBef>
+                <a:spcPct val="0"/>
+              </a:spcBef>
+              <a:buNone/>
+            </a:pPr>
+            <a:r>
+              <a:rPr kumimoji="1" lang="zh-TW" altLang="en-US" sz="5400" b="1" dirty="0">
+                <a:latin typeface="Microsoft JhengHei" panose="020B0604030504040204" pitchFamily="34" charset="-120"/>
+                <a:ea typeface="Microsoft JhengHei" panose="020B0604030504040204" pitchFamily="34" charset="-120"/>
+                <a:cs typeface="全真楷書" pitchFamily="49" charset="-120"/>
+              </a:rPr>
+              <a:t>禮物雖然好</a:t>
+            </a:r>
+            <a:r>
+              <a:rPr kumimoji="1" lang="en-US" altLang="zh-TW" sz="5400" b="1" dirty="0">
+                <a:latin typeface="Microsoft JhengHei" panose="020B0604030504040204" pitchFamily="34" charset="-120"/>
+                <a:ea typeface="Microsoft JhengHei" panose="020B0604030504040204" pitchFamily="34" charset="-120"/>
+                <a:cs typeface="全真楷書" pitchFamily="49" charset="-120"/>
+              </a:rPr>
+              <a:t>  </a:t>
+            </a:r>
+            <a:r>
+              <a:rPr kumimoji="1" lang="zh-TW" altLang="en-US" sz="5400" b="1" dirty="0">
+                <a:latin typeface="Microsoft JhengHei" panose="020B0604030504040204" pitchFamily="34" charset="-120"/>
+                <a:ea typeface="Microsoft JhengHei" panose="020B0604030504040204" pitchFamily="34" charset="-120"/>
+                <a:cs typeface="全真楷書" pitchFamily="49" charset="-120"/>
+              </a:rPr>
+              <a:t>如果你不要</a:t>
+            </a:r>
+            <a:endParaRPr kumimoji="1" lang="en-US" altLang="zh-TW" sz="5400" b="1" dirty="0">
+              <a:latin typeface="Microsoft JhengHei" panose="020B0604030504040204" pitchFamily="34" charset="-120"/>
+              <a:ea typeface="Microsoft JhengHei" panose="020B0604030504040204" pitchFamily="34" charset="-120"/>
+              <a:cs typeface="全真楷書" pitchFamily="49" charset="-120"/>
+            </a:endParaRPr>
+          </a:p>
+          <a:p>
+            <a:pPr marL="0" indent="0" algn="ctr" eaLnBrk="0" hangingPunct="0">
+              <a:spcBef>
+                <a:spcPct val="0"/>
+              </a:spcBef>
+              <a:buNone/>
+            </a:pPr>
+            <a:r>
+              <a:rPr kumimoji="1" lang="zh-TW" altLang="en-US" sz="5400" b="1" dirty="0">
+                <a:latin typeface="Microsoft JhengHei" panose="020B0604030504040204" pitchFamily="34" charset="-120"/>
+                <a:ea typeface="Microsoft JhengHei" panose="020B0604030504040204" pitchFamily="34" charset="-120"/>
+                <a:cs typeface="全真楷書" pitchFamily="49" charset="-120"/>
+              </a:rPr>
+              <a:t>你怎麼能夠得到</a:t>
+            </a:r>
+            <a:endParaRPr kumimoji="1" lang="en-US" altLang="zh-TW" sz="5400" b="1" dirty="0">
+              <a:latin typeface="Microsoft JhengHei" panose="020B0604030504040204" pitchFamily="34" charset="-120"/>
+              <a:ea typeface="Microsoft JhengHei" panose="020B0604030504040204" pitchFamily="34" charset="-120"/>
+              <a:cs typeface="全真楷書" pitchFamily="49" charset="-120"/>
+            </a:endParaRPr>
+          </a:p>
+          <a:p>
+            <a:pPr marL="0" indent="0" algn="ctr" eaLnBrk="0" hangingPunct="0">
+              <a:spcBef>
+                <a:spcPct val="0"/>
+              </a:spcBef>
+              <a:buNone/>
+            </a:pPr>
+            <a:r>
+              <a:rPr kumimoji="1" lang="zh-TW" altLang="en-US" sz="5400" b="1" dirty="0">
+                <a:latin typeface="Microsoft JhengHei" panose="020B0604030504040204" pitchFamily="34" charset="-120"/>
+                <a:ea typeface="Microsoft JhengHei" panose="020B0604030504040204" pitchFamily="34" charset="-120"/>
+                <a:cs typeface="全真楷書" pitchFamily="49" charset="-120"/>
+              </a:rPr>
+              <a:t>怎麼能得到</a:t>
+            </a:r>
+          </a:p>
+        </p:txBody>
+      </p:sp>
+    </p:spTree>
+  </p:cSld>
+  <p:clrMapOvr>
+    <a:masterClrMapping/>
+  </p:clrMapOvr>
+</p:sld>
+</file>
+
+<file path=ppt/slides/slide25.xml><?xml version="1.0" encoding="utf-8"?>
+<p:sld xmlns:a="http://schemas.openxmlformats.org/drawingml/2006/main" xmlns:r="http://schemas.openxmlformats.org/officeDocument/2006/relationships" xmlns:p="http://schemas.openxmlformats.org/presentationml/2006/main">
+  <p:cSld>
+    <p:spTree>
+      <p:nvGrpSpPr>
+        <p:cNvPr id="1" name=""/>
+        <p:cNvGrpSpPr/>
+        <p:nvPr/>
+      </p:nvGrpSpPr>
+      <p:grpSpPr>
+        <a:xfrm>
+          <a:off x="0" y="0"/>
+          <a:ext cx="0" cy="0"/>
+          <a:chOff x="0" y="0"/>
+          <a:chExt cx="0" cy="0"/>
+        </a:xfrm>
+      </p:grpSpPr>
+      <p:sp>
+        <p:nvSpPr>
+          <p:cNvPr id="2" name="標題 1"/>
+          <p:cNvSpPr>
+            <a:spLocks noGrp="1"/>
+          </p:cNvSpPr>
+          <p:nvPr>
+            <p:ph type="title"/>
+          </p:nvPr>
+        </p:nvSpPr>
+        <p:spPr/>
+        <p:txBody>
+          <a:bodyPr>
+            <a:normAutofit/>
+          </a:bodyPr>
+          <a:lstStyle/>
+          <a:p>
+            <a:r>
+              <a:rPr kumimoji="1" lang="zh-TW" altLang="en-US" b="1" dirty="0">
+                <a:latin typeface="Microsoft JhengHei" panose="020B0604030504040204" pitchFamily="34" charset="-120"/>
+                <a:ea typeface="Microsoft JhengHei" panose="020B0604030504040204" pitchFamily="34" charset="-120"/>
+                <a:cs typeface="全真行書" pitchFamily="49" charset="-120"/>
+              </a:rPr>
+              <a:t>一件禮物</a:t>
+            </a:r>
+          </a:p>
+        </p:txBody>
+      </p:sp>
+      <p:sp>
+        <p:nvSpPr>
+          <p:cNvPr id="3" name="內容版面配置區 2"/>
+          <p:cNvSpPr>
+            <a:spLocks noGrp="1"/>
+          </p:cNvSpPr>
+          <p:nvPr>
+            <p:ph idx="1"/>
+          </p:nvPr>
+        </p:nvSpPr>
+        <p:spPr/>
+        <p:txBody>
+          <a:bodyPr>
+            <a:normAutofit/>
+          </a:bodyPr>
+          <a:lstStyle/>
+          <a:p>
+            <a:pPr marL="0" indent="0" algn="ctr" eaLnBrk="0" hangingPunct="0">
+              <a:spcBef>
+                <a:spcPct val="0"/>
+              </a:spcBef>
+              <a:buNone/>
+            </a:pPr>
+            <a:r>
+              <a:rPr kumimoji="1" lang="zh-TW" altLang="en-US" sz="5400" b="1" dirty="0">
+                <a:latin typeface="Microsoft JhengHei" panose="020B0604030504040204" pitchFamily="34" charset="-120"/>
+                <a:ea typeface="Microsoft JhengHei" panose="020B0604030504040204" pitchFamily="34" charset="-120"/>
+                <a:cs typeface="全真楷書" pitchFamily="49" charset="-120"/>
+              </a:rPr>
+              <a:t>親愛的朋友</a:t>
+            </a:r>
+            <a:r>
+              <a:rPr kumimoji="1" lang="en-US" altLang="zh-TW" sz="5400" b="1" dirty="0">
+                <a:latin typeface="Microsoft JhengHei" panose="020B0604030504040204" pitchFamily="34" charset="-120"/>
+                <a:ea typeface="Microsoft JhengHei" panose="020B0604030504040204" pitchFamily="34" charset="-120"/>
+                <a:cs typeface="全真楷書" pitchFamily="49" charset="-120"/>
+              </a:rPr>
+              <a:t>  </a:t>
+            </a:r>
+            <a:r>
+              <a:rPr kumimoji="1" lang="zh-TW" altLang="en-US" sz="5400" b="1" dirty="0">
+                <a:latin typeface="Microsoft JhengHei" panose="020B0604030504040204" pitchFamily="34" charset="-120"/>
+                <a:ea typeface="Microsoft JhengHei" panose="020B0604030504040204" pitchFamily="34" charset="-120"/>
+                <a:cs typeface="全真楷書" pitchFamily="49" charset="-120"/>
+              </a:rPr>
+              <a:t>你是否了解</a:t>
+            </a:r>
+            <a:endParaRPr kumimoji="1" lang="en-US" altLang="zh-TW" sz="5400" b="1" dirty="0">
+              <a:latin typeface="Microsoft JhengHei" panose="020B0604030504040204" pitchFamily="34" charset="-120"/>
+              <a:ea typeface="Microsoft JhengHei" panose="020B0604030504040204" pitchFamily="34" charset="-120"/>
+              <a:cs typeface="全真楷書" pitchFamily="49" charset="-120"/>
+            </a:endParaRPr>
+          </a:p>
+          <a:p>
+            <a:pPr marL="0" indent="0" algn="ctr" eaLnBrk="0" hangingPunct="0">
+              <a:spcBef>
+                <a:spcPct val="0"/>
+              </a:spcBef>
+              <a:buNone/>
+            </a:pPr>
+            <a:r>
+              <a:rPr kumimoji="1" lang="zh-TW" altLang="en-US" sz="5400" b="1" dirty="0">
+                <a:latin typeface="Microsoft JhengHei" panose="020B0604030504040204" pitchFamily="34" charset="-120"/>
+                <a:ea typeface="Microsoft JhengHei" panose="020B0604030504040204" pitchFamily="34" charset="-120"/>
+                <a:cs typeface="全真楷書" pitchFamily="49" charset="-120"/>
+              </a:rPr>
+              <a:t>馬槽的嬰孩</a:t>
+            </a:r>
+            <a:r>
+              <a:rPr kumimoji="1" lang="en-US" altLang="zh-TW" sz="5400" b="1" dirty="0">
+                <a:latin typeface="Microsoft JhengHei" panose="020B0604030504040204" pitchFamily="34" charset="-120"/>
+                <a:ea typeface="Microsoft JhengHei" panose="020B0604030504040204" pitchFamily="34" charset="-120"/>
+                <a:cs typeface="全真楷書" pitchFamily="49" charset="-120"/>
+              </a:rPr>
+              <a:t>  </a:t>
+            </a:r>
+            <a:r>
+              <a:rPr kumimoji="1" lang="zh-TW" altLang="en-US" sz="5400" b="1" dirty="0">
+                <a:latin typeface="Microsoft JhengHei" panose="020B0604030504040204" pitchFamily="34" charset="-120"/>
+                <a:ea typeface="Microsoft JhengHei" panose="020B0604030504040204" pitchFamily="34" charset="-120"/>
+                <a:cs typeface="全真楷書" pitchFamily="49" charset="-120"/>
+              </a:rPr>
+              <a:t>是為你而來</a:t>
+            </a:r>
+            <a:endParaRPr kumimoji="1" lang="en-US" altLang="zh-TW" sz="5400" b="1" dirty="0">
+              <a:latin typeface="Microsoft JhengHei" panose="020B0604030504040204" pitchFamily="34" charset="-120"/>
+              <a:ea typeface="Microsoft JhengHei" panose="020B0604030504040204" pitchFamily="34" charset="-120"/>
+              <a:cs typeface="全真楷書" pitchFamily="49" charset="-120"/>
+            </a:endParaRPr>
+          </a:p>
+          <a:p>
+            <a:pPr marL="0" indent="0" algn="ctr" eaLnBrk="0" hangingPunct="0">
+              <a:spcBef>
+                <a:spcPct val="0"/>
+              </a:spcBef>
+              <a:buNone/>
+            </a:pPr>
+            <a:r>
+              <a:rPr kumimoji="1" lang="zh-TW" altLang="en-US" sz="5400" b="1" dirty="0">
+                <a:latin typeface="Microsoft JhengHei" panose="020B0604030504040204" pitchFamily="34" charset="-120"/>
+                <a:ea typeface="Microsoft JhengHei" panose="020B0604030504040204" pitchFamily="34" charset="-120"/>
+                <a:cs typeface="全真楷書" pitchFamily="49" charset="-120"/>
+              </a:rPr>
+              <a:t>親愛的朋友</a:t>
+            </a:r>
+            <a:r>
+              <a:rPr kumimoji="1" lang="en-US" altLang="zh-TW" sz="5400" b="1" dirty="0">
+                <a:latin typeface="Microsoft JhengHei" panose="020B0604030504040204" pitchFamily="34" charset="-120"/>
+                <a:ea typeface="Microsoft JhengHei" panose="020B0604030504040204" pitchFamily="34" charset="-120"/>
+                <a:cs typeface="全真楷書" pitchFamily="49" charset="-120"/>
+              </a:rPr>
+              <a:t>  </a:t>
+            </a:r>
+            <a:r>
+              <a:rPr kumimoji="1" lang="zh-TW" altLang="en-US" sz="5400" b="1" dirty="0">
+                <a:latin typeface="Microsoft JhengHei" panose="020B0604030504040204" pitchFamily="34" charset="-120"/>
+                <a:ea typeface="Microsoft JhengHei" panose="020B0604030504040204" pitchFamily="34" charset="-120"/>
+                <a:cs typeface="全真楷書" pitchFamily="49" charset="-120"/>
+              </a:rPr>
+              <a:t>你是否了解</a:t>
+            </a:r>
+            <a:endParaRPr kumimoji="1" lang="en-US" altLang="zh-TW" sz="5400" b="1" dirty="0">
+              <a:latin typeface="Microsoft JhengHei" panose="020B0604030504040204" pitchFamily="34" charset="-120"/>
+              <a:ea typeface="Microsoft JhengHei" panose="020B0604030504040204" pitchFamily="34" charset="-120"/>
+              <a:cs typeface="全真楷書" pitchFamily="49" charset="-120"/>
+            </a:endParaRPr>
+          </a:p>
+          <a:p>
+            <a:pPr marL="0" indent="0" algn="ctr" eaLnBrk="0" hangingPunct="0">
+              <a:spcBef>
+                <a:spcPct val="0"/>
+              </a:spcBef>
+              <a:buNone/>
+            </a:pPr>
+            <a:r>
+              <a:rPr kumimoji="1" lang="zh-TW" altLang="en-US" sz="5400" b="1" dirty="0">
+                <a:latin typeface="Microsoft JhengHei" panose="020B0604030504040204" pitchFamily="34" charset="-120"/>
+                <a:ea typeface="Microsoft JhengHei" panose="020B0604030504040204" pitchFamily="34" charset="-120"/>
+                <a:cs typeface="全真楷書" pitchFamily="49" charset="-120"/>
+              </a:rPr>
+              <a:t>最好的禮物是人子主耶穌</a:t>
+            </a:r>
+            <a:endParaRPr kumimoji="1" lang="en-US" altLang="zh-TW" sz="5400" b="1" dirty="0">
+              <a:latin typeface="Microsoft JhengHei" panose="020B0604030504040204" pitchFamily="34" charset="-120"/>
+              <a:ea typeface="Microsoft JhengHei" panose="020B0604030504040204" pitchFamily="34" charset="-120"/>
+              <a:cs typeface="全真楷書" pitchFamily="49" charset="-120"/>
+            </a:endParaRPr>
+          </a:p>
+        </p:txBody>
+      </p:sp>
+    </p:spTree>
+  </p:cSld>
+  <p:clrMapOvr>
+    <a:masterClrMapping/>
+  </p:clrMapOvr>
+</p:sld>
+</file>
+
+<file path=ppt/slides/slide26.xml><?xml version="1.0" encoding="utf-8"?>
+<p:sld xmlns:a="http://schemas.openxmlformats.org/drawingml/2006/main" xmlns:r="http://schemas.openxmlformats.org/officeDocument/2006/relationships" xmlns:p="http://schemas.openxmlformats.org/presentationml/2006/main">
+  <p:cSld>
+    <p:spTree>
+      <p:nvGrpSpPr>
+        <p:cNvPr id="1" name=""/>
+        <p:cNvGrpSpPr/>
+        <p:nvPr/>
+      </p:nvGrpSpPr>
+      <p:grpSpPr>
+        <a:xfrm>
+          <a:off x="0" y="0"/>
+          <a:ext cx="0" cy="0"/>
+          <a:chOff x="0" y="0"/>
+          <a:chExt cx="0" cy="0"/>
+        </a:xfrm>
+      </p:grpSpPr>
+      <p:sp>
+        <p:nvSpPr>
+          <p:cNvPr id="2" name="標題 1"/>
+          <p:cNvSpPr>
+            <a:spLocks noGrp="1"/>
+          </p:cNvSpPr>
+          <p:nvPr>
+            <p:ph type="title"/>
+          </p:nvPr>
+        </p:nvSpPr>
+        <p:spPr/>
+        <p:txBody>
+          <a:bodyPr>
+            <a:normAutofit/>
+          </a:bodyPr>
+          <a:lstStyle/>
+          <a:p>
+            <a:pPr lvl="0"/>
+            <a:r>
+              <a:rPr kumimoji="1" lang="zh-TW" altLang="en-US" b="1" dirty="0">
+                <a:latin typeface="Microsoft JhengHei" panose="020B0604030504040204" pitchFamily="34" charset="-120"/>
+                <a:ea typeface="Microsoft JhengHei" panose="020B0604030504040204" pitchFamily="34" charset="-120"/>
+                <a:cs typeface="全真行書" pitchFamily="49" charset="-120"/>
+              </a:rPr>
+              <a:t>一件禮物</a:t>
+            </a:r>
+          </a:p>
+        </p:txBody>
+      </p:sp>
+      <p:sp>
+        <p:nvSpPr>
+          <p:cNvPr id="3" name="內容版面配置區 2"/>
+          <p:cNvSpPr>
+            <a:spLocks noGrp="1"/>
+          </p:cNvSpPr>
+          <p:nvPr>
+            <p:ph idx="1"/>
+          </p:nvPr>
+        </p:nvSpPr>
+        <p:spPr/>
+        <p:txBody>
+          <a:bodyPr>
+            <a:normAutofit/>
+          </a:bodyPr>
+          <a:lstStyle/>
+          <a:p>
+            <a:pPr marL="0" indent="0" algn="ctr" eaLnBrk="0" hangingPunct="0">
+              <a:spcBef>
+                <a:spcPct val="0"/>
+              </a:spcBef>
+              <a:buNone/>
+            </a:pPr>
+            <a:r>
+              <a:rPr kumimoji="1" lang="zh-TW" altLang="en-US" sz="5400" b="1" dirty="0">
+                <a:latin typeface="Microsoft JhengHei" panose="020B0604030504040204" pitchFamily="34" charset="-120"/>
+                <a:ea typeface="Microsoft JhengHei" panose="020B0604030504040204" pitchFamily="34" charset="-120"/>
+                <a:cs typeface="全真楷書" pitchFamily="49" charset="-120"/>
+              </a:rPr>
+              <a:t>生命有限</a:t>
+            </a:r>
+            <a:r>
+              <a:rPr kumimoji="1" lang="en-US" altLang="zh-TW" sz="5400" b="1" dirty="0">
+                <a:latin typeface="Microsoft JhengHei" panose="020B0604030504040204" pitchFamily="34" charset="-120"/>
+                <a:ea typeface="Microsoft JhengHei" panose="020B0604030504040204" pitchFamily="34" charset="-120"/>
+                <a:cs typeface="全真楷書" pitchFamily="49" charset="-120"/>
+              </a:rPr>
+              <a:t>  </a:t>
+            </a:r>
+            <a:r>
+              <a:rPr kumimoji="1" lang="zh-TW" altLang="en-US" sz="5400" b="1" dirty="0">
+                <a:latin typeface="Microsoft JhengHei" panose="020B0604030504040204" pitchFamily="34" charset="-120"/>
+                <a:ea typeface="Microsoft JhengHei" panose="020B0604030504040204" pitchFamily="34" charset="-120"/>
+                <a:cs typeface="全真楷書" pitchFamily="49" charset="-120"/>
+              </a:rPr>
+              <a:t>時光也會走</a:t>
+            </a:r>
+            <a:endParaRPr kumimoji="1" lang="en-US" altLang="zh-TW" sz="5400" b="1" dirty="0">
+              <a:latin typeface="Microsoft JhengHei" panose="020B0604030504040204" pitchFamily="34" charset="-120"/>
+              <a:ea typeface="Microsoft JhengHei" panose="020B0604030504040204" pitchFamily="34" charset="-120"/>
+              <a:cs typeface="全真楷書" pitchFamily="49" charset="-120"/>
+            </a:endParaRPr>
+          </a:p>
+          <a:p>
+            <a:pPr marL="0" indent="0" algn="ctr" eaLnBrk="0" hangingPunct="0">
+              <a:spcBef>
+                <a:spcPct val="0"/>
+              </a:spcBef>
+              <a:buNone/>
+            </a:pPr>
+            <a:r>
+              <a:rPr kumimoji="1" lang="zh-TW" altLang="en-US" sz="5400" b="1" dirty="0">
+                <a:latin typeface="Microsoft JhengHei" panose="020B0604030504040204" pitchFamily="34" charset="-120"/>
+                <a:ea typeface="Microsoft JhengHei" panose="020B0604030504040204" pitchFamily="34" charset="-120"/>
+                <a:cs typeface="全真楷書" pitchFamily="49" charset="-120"/>
+              </a:rPr>
+              <a:t>如果你不珍惜</a:t>
+            </a:r>
+            <a:r>
+              <a:rPr kumimoji="1" lang="en-US" altLang="zh-TW" sz="5400" b="1" dirty="0">
+                <a:latin typeface="Microsoft JhengHei" panose="020B0604030504040204" pitchFamily="34" charset="-120"/>
+                <a:ea typeface="Microsoft JhengHei" panose="020B0604030504040204" pitchFamily="34" charset="-120"/>
+                <a:cs typeface="全真楷書" pitchFamily="49" charset="-120"/>
+              </a:rPr>
+              <a:t>  </a:t>
+            </a:r>
+            <a:r>
+              <a:rPr kumimoji="1" lang="zh-TW" altLang="en-US" sz="5400" b="1" dirty="0">
+                <a:latin typeface="Microsoft JhengHei" panose="020B0604030504040204" pitchFamily="34" charset="-120"/>
+                <a:ea typeface="Microsoft JhengHei" panose="020B0604030504040204" pitchFamily="34" charset="-120"/>
+                <a:cs typeface="全真楷書" pitchFamily="49" charset="-120"/>
+              </a:rPr>
+              <a:t>機會難留</a:t>
+            </a:r>
+            <a:endParaRPr kumimoji="1" lang="en-US" altLang="zh-TW" sz="5400" b="1" dirty="0">
+              <a:latin typeface="Microsoft JhengHei" panose="020B0604030504040204" pitchFamily="34" charset="-120"/>
+              <a:ea typeface="Microsoft JhengHei" panose="020B0604030504040204" pitchFamily="34" charset="-120"/>
+              <a:cs typeface="全真楷書" pitchFamily="49" charset="-120"/>
+            </a:endParaRPr>
+          </a:p>
+          <a:p>
+            <a:pPr marL="0" indent="0" algn="ctr" eaLnBrk="0" hangingPunct="0">
+              <a:spcBef>
+                <a:spcPct val="0"/>
+              </a:spcBef>
+              <a:buNone/>
+            </a:pPr>
+            <a:r>
+              <a:rPr kumimoji="1" lang="zh-TW" altLang="en-US" sz="5400" b="1" dirty="0">
+                <a:latin typeface="Microsoft JhengHei" panose="020B0604030504040204" pitchFamily="34" charset="-120"/>
+                <a:ea typeface="Microsoft JhengHei" panose="020B0604030504040204" pitchFamily="34" charset="-120"/>
+                <a:cs typeface="全真楷書" pitchFamily="49" charset="-120"/>
+              </a:rPr>
+              <a:t>禮物雖然好</a:t>
+            </a:r>
+            <a:r>
+              <a:rPr kumimoji="1" lang="en-US" altLang="zh-TW" sz="5400" b="1" dirty="0">
+                <a:latin typeface="Microsoft JhengHei" panose="020B0604030504040204" pitchFamily="34" charset="-120"/>
+                <a:ea typeface="Microsoft JhengHei" panose="020B0604030504040204" pitchFamily="34" charset="-120"/>
+                <a:cs typeface="全真楷書" pitchFamily="49" charset="-120"/>
+              </a:rPr>
+              <a:t>  </a:t>
+            </a:r>
+            <a:r>
+              <a:rPr kumimoji="1" lang="zh-TW" altLang="en-US" sz="5400" b="1" dirty="0">
+                <a:latin typeface="Microsoft JhengHei" panose="020B0604030504040204" pitchFamily="34" charset="-120"/>
+                <a:ea typeface="Microsoft JhengHei" panose="020B0604030504040204" pitchFamily="34" charset="-120"/>
+                <a:cs typeface="全真楷書" pitchFamily="49" charset="-120"/>
+              </a:rPr>
+              <a:t>如果你不要</a:t>
+            </a:r>
+            <a:endParaRPr kumimoji="1" lang="en-US" altLang="zh-TW" sz="5400" b="1" dirty="0">
+              <a:latin typeface="Microsoft JhengHei" panose="020B0604030504040204" pitchFamily="34" charset="-120"/>
+              <a:ea typeface="Microsoft JhengHei" panose="020B0604030504040204" pitchFamily="34" charset="-120"/>
+              <a:cs typeface="全真楷書" pitchFamily="49" charset="-120"/>
+            </a:endParaRPr>
+          </a:p>
+          <a:p>
+            <a:pPr marL="0" indent="0" algn="ctr" eaLnBrk="0" hangingPunct="0">
+              <a:spcBef>
+                <a:spcPct val="0"/>
+              </a:spcBef>
+              <a:buNone/>
+            </a:pPr>
+            <a:r>
+              <a:rPr kumimoji="1" lang="zh-TW" altLang="en-US" sz="5400" b="1" dirty="0">
+                <a:latin typeface="Microsoft JhengHei" panose="020B0604030504040204" pitchFamily="34" charset="-120"/>
+                <a:ea typeface="Microsoft JhengHei" panose="020B0604030504040204" pitchFamily="34" charset="-120"/>
+                <a:cs typeface="全真楷書" pitchFamily="49" charset="-120"/>
+              </a:rPr>
+              <a:t>你怎麼能夠得到</a:t>
+            </a:r>
+            <a:endParaRPr kumimoji="1" lang="en-US" altLang="zh-TW" sz="5400" b="1" dirty="0">
+              <a:latin typeface="Microsoft JhengHei" panose="020B0604030504040204" pitchFamily="34" charset="-120"/>
+              <a:ea typeface="Microsoft JhengHei" panose="020B0604030504040204" pitchFamily="34" charset="-120"/>
+              <a:cs typeface="全真楷書" pitchFamily="49" charset="-120"/>
+            </a:endParaRPr>
+          </a:p>
+          <a:p>
+            <a:pPr marL="0" indent="0" algn="ctr" eaLnBrk="0" hangingPunct="0">
+              <a:spcBef>
+                <a:spcPct val="0"/>
+              </a:spcBef>
+              <a:buNone/>
+            </a:pPr>
+            <a:r>
+              <a:rPr kumimoji="1" lang="zh-TW" altLang="en-US" sz="5400" b="1" dirty="0">
+                <a:latin typeface="Microsoft JhengHei" panose="020B0604030504040204" pitchFamily="34" charset="-120"/>
+                <a:ea typeface="Microsoft JhengHei" panose="020B0604030504040204" pitchFamily="34" charset="-120"/>
+                <a:cs typeface="全真楷書" pitchFamily="49" charset="-120"/>
+              </a:rPr>
+              <a:t>怎麼能得到</a:t>
+            </a:r>
+          </a:p>
+        </p:txBody>
+      </p:sp>
+    </p:spTree>
   </p:cSld>
   <p:clrMapOvr>
     <a:masterClrMapping/>
@@ -6682,13 +7613,20 @@
     </p:spTree>
     <p:extLst>
       <p:ext uri="{BB962C8B-B14F-4D97-AF65-F5344CB8AC3E}">
-        <p14:creationId xmlns:p14="http://schemas.microsoft.com/office/powerpoint/2010/main" val="2032287609"/>
+        <p14:creationId xmlns:p14="http://schemas.microsoft.com/office/powerpoint/2010/main" xmlns="" val="2032287609"/>
       </p:ext>
     </p:extLst>
   </p:cSld>
   <p:clrMapOvr>
     <a:masterClrMapping/>
   </p:clrMapOvr>
+  <p:timing>
+    <p:tnLst>
+      <p:par>
+        <p:cTn id="1" dur="indefinite" restart="never" nodeType="tmRoot"/>
+      </p:par>
+    </p:tnLst>
+  </p:timing>
 </p:sld>
 </file>
 
@@ -6779,13 +7717,20 @@
     </p:spTree>
     <p:extLst>
       <p:ext uri="{BB962C8B-B14F-4D97-AF65-F5344CB8AC3E}">
-        <p14:creationId xmlns:p14="http://schemas.microsoft.com/office/powerpoint/2010/main" val="2703528868"/>
+        <p14:creationId xmlns:p14="http://schemas.microsoft.com/office/powerpoint/2010/main" xmlns="" val="2703528868"/>
       </p:ext>
     </p:extLst>
   </p:cSld>
   <p:clrMapOvr>
     <a:masterClrMapping/>
   </p:clrMapOvr>
+  <p:timing>
+    <p:tnLst>
+      <p:par>
+        <p:cTn id="1" dur="indefinite" restart="never" nodeType="tmRoot"/>
+      </p:par>
+    </p:tnLst>
+  </p:timing>
 </p:sld>
 </file>
 
@@ -6876,13 +7821,20 @@
     </p:spTree>
     <p:extLst>
       <p:ext uri="{BB962C8B-B14F-4D97-AF65-F5344CB8AC3E}">
-        <p14:creationId xmlns:p14="http://schemas.microsoft.com/office/powerpoint/2010/main" val="284847341"/>
+        <p14:creationId xmlns:p14="http://schemas.microsoft.com/office/powerpoint/2010/main" xmlns="" val="284847341"/>
       </p:ext>
     </p:extLst>
   </p:cSld>
   <p:clrMapOvr>
     <a:masterClrMapping/>
   </p:clrMapOvr>
+  <p:timing>
+    <p:tnLst>
+      <p:par>
+        <p:cTn id="1" dur="indefinite" restart="never" nodeType="tmRoot"/>
+      </p:par>
+    </p:tnLst>
+  </p:timing>
 </p:sld>
 </file>
 
@@ -7096,7 +8048,7 @@
     </p:spTree>
     <p:extLst>
       <p:ext uri="{BB962C8B-B14F-4D97-AF65-F5344CB8AC3E}">
-        <p14:creationId xmlns:p14="http://schemas.microsoft.com/office/powerpoint/2010/main" val="1743691325"/>
+        <p14:creationId xmlns:p14="http://schemas.microsoft.com/office/powerpoint/2010/main" xmlns="" val="1743691325"/>
       </p:ext>
     </p:extLst>
   </p:cSld>
@@ -7265,7 +8217,7 @@
     </p:spTree>
     <p:extLst>
       <p:ext uri="{BB962C8B-B14F-4D97-AF65-F5344CB8AC3E}">
-        <p14:creationId xmlns:p14="http://schemas.microsoft.com/office/powerpoint/2010/main" val="460422845"/>
+        <p14:creationId xmlns:p14="http://schemas.microsoft.com/office/powerpoint/2010/main" xmlns="" val="460422845"/>
       </p:ext>
     </p:extLst>
   </p:cSld>
@@ -7420,7 +8372,7 @@
     </p:spTree>
     <p:extLst>
       <p:ext uri="{BB962C8B-B14F-4D97-AF65-F5344CB8AC3E}">
-        <p14:creationId xmlns:p14="http://schemas.microsoft.com/office/powerpoint/2010/main" val="1163452923"/>
+        <p14:creationId xmlns:p14="http://schemas.microsoft.com/office/powerpoint/2010/main" xmlns="" val="1163452923"/>
       </p:ext>
     </p:extLst>
   </p:cSld>
@@ -8382,7 +9334,7 @@
     </p:spTree>
     <p:extLst>
       <p:ext uri="{BB962C8B-B14F-4D97-AF65-F5344CB8AC3E}">
-        <p14:creationId xmlns:p14="http://schemas.microsoft.com/office/powerpoint/2010/main" val="869578507"/>
+        <p14:creationId xmlns:p14="http://schemas.microsoft.com/office/powerpoint/2010/main" xmlns="" val="869578507"/>
       </p:ext>
     </p:extLst>
   </p:cSld>
@@ -8681,7 +9633,7 @@
   <a:extraClrSchemeLst/>
   <a:extLst>
     <a:ext uri="{05A4C25C-085E-4340-85A3-A5531E510DB2}">
-      <thm15:themeFamily xmlns:thm15="http://schemas.microsoft.com/office/thememl/2012/main" name="Theme1" id="{1A8DE197-990E-4893-BF04-3823FBB50F9A}" vid="{430B7048-5A04-4BDB-939A-C7E865DB887B}"/>
+      <thm15:themeFamily xmlns:thm15="http://schemas.microsoft.com/office/thememl/2012/main" xmlns="" name="Theme1" id="{1A8DE197-990E-4893-BF04-3823FBB50F9A}" vid="{430B7048-5A04-4BDB-939A-C7E865DB887B}"/>
     </a:ext>
   </a:extLst>
 </a:theme>
